--- a/ppt 16-9/1268.耶稣喜爱小孩.pptx
+++ b/ppt 16-9/1268.耶稣喜爱小孩.pptx
@@ -129,7 +129,7 @@
           <p:cNvPr id="2" name="标题 1">
             <a:extLst>
               <a:ext uri="{FF2B5EF4-FFF2-40B4-BE49-F238E27FC236}">
-                <a16:creationId xmlns:a16="http://schemas.microsoft.com/office/drawing/2014/main" id="{79BB0AA6-845D-AED7-5C01-202B38EB3517}"/>
+                <a16:creationId xmlns:a16="http://schemas.microsoft.com/office/drawing/2014/main" id="{56939776-6F04-7DA0-4378-AD4FCDB70A98}"/>
               </a:ext>
             </a:extLst>
           </p:cNvPr>
@@ -166,7 +166,7 @@
           <p:cNvPr id="3" name="副标题 2">
             <a:extLst>
               <a:ext uri="{FF2B5EF4-FFF2-40B4-BE49-F238E27FC236}">
-                <a16:creationId xmlns:a16="http://schemas.microsoft.com/office/drawing/2014/main" id="{C937DE3A-23DF-F015-E4B3-EC2A30BB4EFE}"/>
+                <a16:creationId xmlns:a16="http://schemas.microsoft.com/office/drawing/2014/main" id="{1C76F97A-9176-E753-D857-76C1ED1C154E}"/>
               </a:ext>
             </a:extLst>
           </p:cNvPr>
@@ -236,7 +236,7 @@
           <p:cNvPr id="4" name="日期占位符 3">
             <a:extLst>
               <a:ext uri="{FF2B5EF4-FFF2-40B4-BE49-F238E27FC236}">
-                <a16:creationId xmlns:a16="http://schemas.microsoft.com/office/drawing/2014/main" id="{C17775C2-9082-0BA1-6A66-36F41BE6DCDC}"/>
+                <a16:creationId xmlns:a16="http://schemas.microsoft.com/office/drawing/2014/main" id="{084B3F9F-B715-559E-5A62-9CA4442F1B2D}"/>
               </a:ext>
             </a:extLst>
           </p:cNvPr>
@@ -252,7 +252,7 @@
           <a:bodyPr/>
           <a:lstStyle/>
           <a:p>
-            <a:fld id="{AD266F51-A4E7-4001-8009-EA636236D4A0}" type="datetimeFigureOut">
+            <a:fld id="{6B8148BF-F81C-42C6-86D5-B45949729A90}" type="datetimeFigureOut">
               <a:rPr lang="zh-CN" altLang="en-US" smtClean="0"/>
               <a:t>2024/3/10</a:t>
             </a:fld>
@@ -265,7 +265,7 @@
           <p:cNvPr id="5" name="页脚占位符 4">
             <a:extLst>
               <a:ext uri="{FF2B5EF4-FFF2-40B4-BE49-F238E27FC236}">
-                <a16:creationId xmlns:a16="http://schemas.microsoft.com/office/drawing/2014/main" id="{9F4983C9-38B9-2BC2-5E72-03244EF362FD}"/>
+                <a16:creationId xmlns:a16="http://schemas.microsoft.com/office/drawing/2014/main" id="{BE4BD23B-40AE-55CD-8854-DD213211739E}"/>
               </a:ext>
             </a:extLst>
           </p:cNvPr>
@@ -290,7 +290,7 @@
           <p:cNvPr id="6" name="灯片编号占位符 5">
             <a:extLst>
               <a:ext uri="{FF2B5EF4-FFF2-40B4-BE49-F238E27FC236}">
-                <a16:creationId xmlns:a16="http://schemas.microsoft.com/office/drawing/2014/main" id="{7B92D9F6-8A6E-DA0C-FBD0-59C9C7FC195B}"/>
+                <a16:creationId xmlns:a16="http://schemas.microsoft.com/office/drawing/2014/main" id="{BA5B3C47-249D-AF4A-C737-F90FEB7C1C14}"/>
               </a:ext>
             </a:extLst>
           </p:cNvPr>
@@ -306,7 +306,7 @@
           <a:bodyPr/>
           <a:lstStyle/>
           <a:p>
-            <a:fld id="{C4093028-7449-4AC8-8A20-EB5DABABA418}" type="slidenum">
+            <a:fld id="{B485EAA2-ADE9-4F89-AC5F-83A5A9A5E461}" type="slidenum">
               <a:rPr lang="zh-CN" altLang="en-US" smtClean="0"/>
               <a:t>‹#›</a:t>
             </a:fld>
@@ -317,7 +317,7 @@
     </p:spTree>
     <p:extLst>
       <p:ext uri="{BB962C8B-B14F-4D97-AF65-F5344CB8AC3E}">
-        <p14:creationId xmlns:p14="http://schemas.microsoft.com/office/powerpoint/2010/main" val="2850148644"/>
+        <p14:creationId xmlns:p14="http://schemas.microsoft.com/office/powerpoint/2010/main" val="1829337456"/>
       </p:ext>
     </p:extLst>
   </p:cSld>
@@ -349,7 +349,7 @@
           <p:cNvPr id="2" name="标题 1">
             <a:extLst>
               <a:ext uri="{FF2B5EF4-FFF2-40B4-BE49-F238E27FC236}">
-                <a16:creationId xmlns:a16="http://schemas.microsoft.com/office/drawing/2014/main" id="{A30CB0C0-D310-093D-B782-AF9D17FA1D4E}"/>
+                <a16:creationId xmlns:a16="http://schemas.microsoft.com/office/drawing/2014/main" id="{44549783-707A-D623-6167-44AF349D2970}"/>
               </a:ext>
             </a:extLst>
           </p:cNvPr>
@@ -377,7 +377,7 @@
           <p:cNvPr id="3" name="竖排文字占位符 2">
             <a:extLst>
               <a:ext uri="{FF2B5EF4-FFF2-40B4-BE49-F238E27FC236}">
-                <a16:creationId xmlns:a16="http://schemas.microsoft.com/office/drawing/2014/main" id="{8A24A1CE-7695-703F-CCC8-B712528B3FF4}"/>
+                <a16:creationId xmlns:a16="http://schemas.microsoft.com/office/drawing/2014/main" id="{285A4BD7-0082-079F-AEDA-F14B391846F5}"/>
               </a:ext>
             </a:extLst>
           </p:cNvPr>
@@ -434,7 +434,7 @@
           <p:cNvPr id="4" name="日期占位符 3">
             <a:extLst>
               <a:ext uri="{FF2B5EF4-FFF2-40B4-BE49-F238E27FC236}">
-                <a16:creationId xmlns:a16="http://schemas.microsoft.com/office/drawing/2014/main" id="{6D6C2F68-0F7B-8DCE-10AD-3ADB1C0C19FE}"/>
+                <a16:creationId xmlns:a16="http://schemas.microsoft.com/office/drawing/2014/main" id="{9AF1A922-07E1-037B-CC3F-2651C0194FF3}"/>
               </a:ext>
             </a:extLst>
           </p:cNvPr>
@@ -450,7 +450,7 @@
           <a:bodyPr/>
           <a:lstStyle/>
           <a:p>
-            <a:fld id="{AD266F51-A4E7-4001-8009-EA636236D4A0}" type="datetimeFigureOut">
+            <a:fld id="{6B8148BF-F81C-42C6-86D5-B45949729A90}" type="datetimeFigureOut">
               <a:rPr lang="zh-CN" altLang="en-US" smtClean="0"/>
               <a:t>2024/3/10</a:t>
             </a:fld>
@@ -463,7 +463,7 @@
           <p:cNvPr id="5" name="页脚占位符 4">
             <a:extLst>
               <a:ext uri="{FF2B5EF4-FFF2-40B4-BE49-F238E27FC236}">
-                <a16:creationId xmlns:a16="http://schemas.microsoft.com/office/drawing/2014/main" id="{7A1EEBAC-86C4-3319-F419-FDD4DAED4442}"/>
+                <a16:creationId xmlns:a16="http://schemas.microsoft.com/office/drawing/2014/main" id="{6440D389-F5E9-DFAF-0077-9D11524D891C}"/>
               </a:ext>
             </a:extLst>
           </p:cNvPr>
@@ -488,7 +488,7 @@
           <p:cNvPr id="6" name="灯片编号占位符 5">
             <a:extLst>
               <a:ext uri="{FF2B5EF4-FFF2-40B4-BE49-F238E27FC236}">
-                <a16:creationId xmlns:a16="http://schemas.microsoft.com/office/drawing/2014/main" id="{136DD887-94A6-CF92-3749-B43A54B5A04A}"/>
+                <a16:creationId xmlns:a16="http://schemas.microsoft.com/office/drawing/2014/main" id="{F6A9C690-5CC2-6C7A-8C41-226D41B2C61E}"/>
               </a:ext>
             </a:extLst>
           </p:cNvPr>
@@ -504,7 +504,7 @@
           <a:bodyPr/>
           <a:lstStyle/>
           <a:p>
-            <a:fld id="{C4093028-7449-4AC8-8A20-EB5DABABA418}" type="slidenum">
+            <a:fld id="{B485EAA2-ADE9-4F89-AC5F-83A5A9A5E461}" type="slidenum">
               <a:rPr lang="zh-CN" altLang="en-US" smtClean="0"/>
               <a:t>‹#›</a:t>
             </a:fld>
@@ -515,7 +515,7 @@
     </p:spTree>
     <p:extLst>
       <p:ext uri="{BB962C8B-B14F-4D97-AF65-F5344CB8AC3E}">
-        <p14:creationId xmlns:p14="http://schemas.microsoft.com/office/powerpoint/2010/main" val="209147937"/>
+        <p14:creationId xmlns:p14="http://schemas.microsoft.com/office/powerpoint/2010/main" val="732479138"/>
       </p:ext>
     </p:extLst>
   </p:cSld>
@@ -547,7 +547,7 @@
           <p:cNvPr id="2" name="竖排标题 1">
             <a:extLst>
               <a:ext uri="{FF2B5EF4-FFF2-40B4-BE49-F238E27FC236}">
-                <a16:creationId xmlns:a16="http://schemas.microsoft.com/office/drawing/2014/main" id="{11C5FBC3-E3ED-281A-C13E-593AD5B579AE}"/>
+                <a16:creationId xmlns:a16="http://schemas.microsoft.com/office/drawing/2014/main" id="{02014B0D-BEF5-FECE-5193-EA55340E890E}"/>
               </a:ext>
             </a:extLst>
           </p:cNvPr>
@@ -580,7 +580,7 @@
           <p:cNvPr id="3" name="竖排文字占位符 2">
             <a:extLst>
               <a:ext uri="{FF2B5EF4-FFF2-40B4-BE49-F238E27FC236}">
-                <a16:creationId xmlns:a16="http://schemas.microsoft.com/office/drawing/2014/main" id="{90773854-5D43-9D57-A7EE-CF1A970BF268}"/>
+                <a16:creationId xmlns:a16="http://schemas.microsoft.com/office/drawing/2014/main" id="{BD224915-4C00-71EA-D4BF-5FE7109FCCD0}"/>
               </a:ext>
             </a:extLst>
           </p:cNvPr>
@@ -642,7 +642,7 @@
           <p:cNvPr id="4" name="日期占位符 3">
             <a:extLst>
               <a:ext uri="{FF2B5EF4-FFF2-40B4-BE49-F238E27FC236}">
-                <a16:creationId xmlns:a16="http://schemas.microsoft.com/office/drawing/2014/main" id="{5D93E939-F2D5-27E0-AD01-1F3AEC617FE7}"/>
+                <a16:creationId xmlns:a16="http://schemas.microsoft.com/office/drawing/2014/main" id="{B6230C24-AD5B-DBFA-D6BB-F9DA14F25F92}"/>
               </a:ext>
             </a:extLst>
           </p:cNvPr>
@@ -658,7 +658,7 @@
           <a:bodyPr/>
           <a:lstStyle/>
           <a:p>
-            <a:fld id="{AD266F51-A4E7-4001-8009-EA636236D4A0}" type="datetimeFigureOut">
+            <a:fld id="{6B8148BF-F81C-42C6-86D5-B45949729A90}" type="datetimeFigureOut">
               <a:rPr lang="zh-CN" altLang="en-US" smtClean="0"/>
               <a:t>2024/3/10</a:t>
             </a:fld>
@@ -671,7 +671,7 @@
           <p:cNvPr id="5" name="页脚占位符 4">
             <a:extLst>
               <a:ext uri="{FF2B5EF4-FFF2-40B4-BE49-F238E27FC236}">
-                <a16:creationId xmlns:a16="http://schemas.microsoft.com/office/drawing/2014/main" id="{962E62DE-CC8D-6636-BB21-D5B74EE4D0D9}"/>
+                <a16:creationId xmlns:a16="http://schemas.microsoft.com/office/drawing/2014/main" id="{65A410EB-6B29-3A07-A5F4-1C75C585032C}"/>
               </a:ext>
             </a:extLst>
           </p:cNvPr>
@@ -696,7 +696,7 @@
           <p:cNvPr id="6" name="灯片编号占位符 5">
             <a:extLst>
               <a:ext uri="{FF2B5EF4-FFF2-40B4-BE49-F238E27FC236}">
-                <a16:creationId xmlns:a16="http://schemas.microsoft.com/office/drawing/2014/main" id="{7E79E649-22A6-CC1B-3508-EAE05335162B}"/>
+                <a16:creationId xmlns:a16="http://schemas.microsoft.com/office/drawing/2014/main" id="{CCD53399-5184-D3B8-C5E1-5D5C9020A6C5}"/>
               </a:ext>
             </a:extLst>
           </p:cNvPr>
@@ -712,7 +712,7 @@
           <a:bodyPr/>
           <a:lstStyle/>
           <a:p>
-            <a:fld id="{C4093028-7449-4AC8-8A20-EB5DABABA418}" type="slidenum">
+            <a:fld id="{B485EAA2-ADE9-4F89-AC5F-83A5A9A5E461}" type="slidenum">
               <a:rPr lang="zh-CN" altLang="en-US" smtClean="0"/>
               <a:t>‹#›</a:t>
             </a:fld>
@@ -723,7 +723,7 @@
     </p:spTree>
     <p:extLst>
       <p:ext uri="{BB962C8B-B14F-4D97-AF65-F5344CB8AC3E}">
-        <p14:creationId xmlns:p14="http://schemas.microsoft.com/office/powerpoint/2010/main" val="1191787081"/>
+        <p14:creationId xmlns:p14="http://schemas.microsoft.com/office/powerpoint/2010/main" val="2478547665"/>
       </p:ext>
     </p:extLst>
   </p:cSld>
@@ -755,7 +755,7 @@
           <p:cNvPr id="2" name="标题 1">
             <a:extLst>
               <a:ext uri="{FF2B5EF4-FFF2-40B4-BE49-F238E27FC236}">
-                <a16:creationId xmlns:a16="http://schemas.microsoft.com/office/drawing/2014/main" id="{5A92945F-106C-D5AE-B4E5-B58799A55724}"/>
+                <a16:creationId xmlns:a16="http://schemas.microsoft.com/office/drawing/2014/main" id="{A4E37375-D7B1-FFA5-1639-A99172F31674}"/>
               </a:ext>
             </a:extLst>
           </p:cNvPr>
@@ -783,7 +783,7 @@
           <p:cNvPr id="3" name="内容占位符 2">
             <a:extLst>
               <a:ext uri="{FF2B5EF4-FFF2-40B4-BE49-F238E27FC236}">
-                <a16:creationId xmlns:a16="http://schemas.microsoft.com/office/drawing/2014/main" id="{F1A32C4C-93F7-79A4-0B38-4E422B67D711}"/>
+                <a16:creationId xmlns:a16="http://schemas.microsoft.com/office/drawing/2014/main" id="{83EDA50E-CF60-AD0D-DE9F-BBF1954B56B7}"/>
               </a:ext>
             </a:extLst>
           </p:cNvPr>
@@ -840,7 +840,7 @@
           <p:cNvPr id="4" name="日期占位符 3">
             <a:extLst>
               <a:ext uri="{FF2B5EF4-FFF2-40B4-BE49-F238E27FC236}">
-                <a16:creationId xmlns:a16="http://schemas.microsoft.com/office/drawing/2014/main" id="{CDB06C3F-9710-E0AF-6DA1-D0542CD50D00}"/>
+                <a16:creationId xmlns:a16="http://schemas.microsoft.com/office/drawing/2014/main" id="{3D7547C0-95D4-0C77-B413-E89DEC1BC4F8}"/>
               </a:ext>
             </a:extLst>
           </p:cNvPr>
@@ -856,7 +856,7 @@
           <a:bodyPr/>
           <a:lstStyle/>
           <a:p>
-            <a:fld id="{AD266F51-A4E7-4001-8009-EA636236D4A0}" type="datetimeFigureOut">
+            <a:fld id="{6B8148BF-F81C-42C6-86D5-B45949729A90}" type="datetimeFigureOut">
               <a:rPr lang="zh-CN" altLang="en-US" smtClean="0"/>
               <a:t>2024/3/10</a:t>
             </a:fld>
@@ -869,7 +869,7 @@
           <p:cNvPr id="5" name="页脚占位符 4">
             <a:extLst>
               <a:ext uri="{FF2B5EF4-FFF2-40B4-BE49-F238E27FC236}">
-                <a16:creationId xmlns:a16="http://schemas.microsoft.com/office/drawing/2014/main" id="{7A2D6E01-BF73-AA43-673F-7FDC97D0DF8F}"/>
+                <a16:creationId xmlns:a16="http://schemas.microsoft.com/office/drawing/2014/main" id="{9153055E-33B2-F374-4856-E7B98445EF9D}"/>
               </a:ext>
             </a:extLst>
           </p:cNvPr>
@@ -894,7 +894,7 @@
           <p:cNvPr id="6" name="灯片编号占位符 5">
             <a:extLst>
               <a:ext uri="{FF2B5EF4-FFF2-40B4-BE49-F238E27FC236}">
-                <a16:creationId xmlns:a16="http://schemas.microsoft.com/office/drawing/2014/main" id="{8189B556-42E0-78FF-E75C-6100D7B31F3C}"/>
+                <a16:creationId xmlns:a16="http://schemas.microsoft.com/office/drawing/2014/main" id="{52570402-8229-B600-A815-B2E8F618AA34}"/>
               </a:ext>
             </a:extLst>
           </p:cNvPr>
@@ -910,7 +910,7 @@
           <a:bodyPr/>
           <a:lstStyle/>
           <a:p>
-            <a:fld id="{C4093028-7449-4AC8-8A20-EB5DABABA418}" type="slidenum">
+            <a:fld id="{B485EAA2-ADE9-4F89-AC5F-83A5A9A5E461}" type="slidenum">
               <a:rPr lang="zh-CN" altLang="en-US" smtClean="0"/>
               <a:t>‹#›</a:t>
             </a:fld>
@@ -921,7 +921,7 @@
     </p:spTree>
     <p:extLst>
       <p:ext uri="{BB962C8B-B14F-4D97-AF65-F5344CB8AC3E}">
-        <p14:creationId xmlns:p14="http://schemas.microsoft.com/office/powerpoint/2010/main" val="2102213659"/>
+        <p14:creationId xmlns:p14="http://schemas.microsoft.com/office/powerpoint/2010/main" val="1910237297"/>
       </p:ext>
     </p:extLst>
   </p:cSld>
@@ -953,7 +953,7 @@
           <p:cNvPr id="2" name="标题 1">
             <a:extLst>
               <a:ext uri="{FF2B5EF4-FFF2-40B4-BE49-F238E27FC236}">
-                <a16:creationId xmlns:a16="http://schemas.microsoft.com/office/drawing/2014/main" id="{EDA0876F-0D9C-E99F-B0B7-C03DB3E0248F}"/>
+                <a16:creationId xmlns:a16="http://schemas.microsoft.com/office/drawing/2014/main" id="{356C5681-A64B-6604-10EA-C456280F4365}"/>
               </a:ext>
             </a:extLst>
           </p:cNvPr>
@@ -990,7 +990,7 @@
           <p:cNvPr id="3" name="文本占位符 2">
             <a:extLst>
               <a:ext uri="{FF2B5EF4-FFF2-40B4-BE49-F238E27FC236}">
-                <a16:creationId xmlns:a16="http://schemas.microsoft.com/office/drawing/2014/main" id="{FAC8E3FA-9303-3607-54E9-4D0558CD6D2C}"/>
+                <a16:creationId xmlns:a16="http://schemas.microsoft.com/office/drawing/2014/main" id="{0C671517-4048-8F15-0871-72939E509730}"/>
               </a:ext>
             </a:extLst>
           </p:cNvPr>
@@ -1115,7 +1115,7 @@
           <p:cNvPr id="4" name="日期占位符 3">
             <a:extLst>
               <a:ext uri="{FF2B5EF4-FFF2-40B4-BE49-F238E27FC236}">
-                <a16:creationId xmlns:a16="http://schemas.microsoft.com/office/drawing/2014/main" id="{50017A44-5739-55DE-26CA-9AC8A83437A7}"/>
+                <a16:creationId xmlns:a16="http://schemas.microsoft.com/office/drawing/2014/main" id="{2EEF4CD0-389E-ACF5-1B18-3B6C339CDACC}"/>
               </a:ext>
             </a:extLst>
           </p:cNvPr>
@@ -1131,7 +1131,7 @@
           <a:bodyPr/>
           <a:lstStyle/>
           <a:p>
-            <a:fld id="{AD266F51-A4E7-4001-8009-EA636236D4A0}" type="datetimeFigureOut">
+            <a:fld id="{6B8148BF-F81C-42C6-86D5-B45949729A90}" type="datetimeFigureOut">
               <a:rPr lang="zh-CN" altLang="en-US" smtClean="0"/>
               <a:t>2024/3/10</a:t>
             </a:fld>
@@ -1144,7 +1144,7 @@
           <p:cNvPr id="5" name="页脚占位符 4">
             <a:extLst>
               <a:ext uri="{FF2B5EF4-FFF2-40B4-BE49-F238E27FC236}">
-                <a16:creationId xmlns:a16="http://schemas.microsoft.com/office/drawing/2014/main" id="{24EF20B5-D940-33E8-516E-5E27DBD9F6E6}"/>
+                <a16:creationId xmlns:a16="http://schemas.microsoft.com/office/drawing/2014/main" id="{E742ADCF-BC2D-4692-87D3-1C4CBE56943E}"/>
               </a:ext>
             </a:extLst>
           </p:cNvPr>
@@ -1169,7 +1169,7 @@
           <p:cNvPr id="6" name="灯片编号占位符 5">
             <a:extLst>
               <a:ext uri="{FF2B5EF4-FFF2-40B4-BE49-F238E27FC236}">
-                <a16:creationId xmlns:a16="http://schemas.microsoft.com/office/drawing/2014/main" id="{AA35DA9A-BB53-75BB-670C-E744BFF223AA}"/>
+                <a16:creationId xmlns:a16="http://schemas.microsoft.com/office/drawing/2014/main" id="{FD8D6269-585A-117C-F0EF-CA6A891C512A}"/>
               </a:ext>
             </a:extLst>
           </p:cNvPr>
@@ -1185,7 +1185,7 @@
           <a:bodyPr/>
           <a:lstStyle/>
           <a:p>
-            <a:fld id="{C4093028-7449-4AC8-8A20-EB5DABABA418}" type="slidenum">
+            <a:fld id="{B485EAA2-ADE9-4F89-AC5F-83A5A9A5E461}" type="slidenum">
               <a:rPr lang="zh-CN" altLang="en-US" smtClean="0"/>
               <a:t>‹#›</a:t>
             </a:fld>
@@ -1196,7 +1196,7 @@
     </p:spTree>
     <p:extLst>
       <p:ext uri="{BB962C8B-B14F-4D97-AF65-F5344CB8AC3E}">
-        <p14:creationId xmlns:p14="http://schemas.microsoft.com/office/powerpoint/2010/main" val="492649259"/>
+        <p14:creationId xmlns:p14="http://schemas.microsoft.com/office/powerpoint/2010/main" val="3826291648"/>
       </p:ext>
     </p:extLst>
   </p:cSld>
@@ -1228,7 +1228,7 @@
           <p:cNvPr id="2" name="标题 1">
             <a:extLst>
               <a:ext uri="{FF2B5EF4-FFF2-40B4-BE49-F238E27FC236}">
-                <a16:creationId xmlns:a16="http://schemas.microsoft.com/office/drawing/2014/main" id="{F65F01C9-7837-F13C-DDDE-98E5B8530E02}"/>
+                <a16:creationId xmlns:a16="http://schemas.microsoft.com/office/drawing/2014/main" id="{EEC303BD-1C67-7644-DB4C-B6FA62E271FF}"/>
               </a:ext>
             </a:extLst>
           </p:cNvPr>
@@ -1256,7 +1256,7 @@
           <p:cNvPr id="3" name="内容占位符 2">
             <a:extLst>
               <a:ext uri="{FF2B5EF4-FFF2-40B4-BE49-F238E27FC236}">
-                <a16:creationId xmlns:a16="http://schemas.microsoft.com/office/drawing/2014/main" id="{3BE9F56B-34C7-CB0B-CC9E-928B7F1EFC93}"/>
+                <a16:creationId xmlns:a16="http://schemas.microsoft.com/office/drawing/2014/main" id="{4EC2B6B4-B030-8351-C40E-D39069BAA530}"/>
               </a:ext>
             </a:extLst>
           </p:cNvPr>
@@ -1318,7 +1318,7 @@
           <p:cNvPr id="4" name="内容占位符 3">
             <a:extLst>
               <a:ext uri="{FF2B5EF4-FFF2-40B4-BE49-F238E27FC236}">
-                <a16:creationId xmlns:a16="http://schemas.microsoft.com/office/drawing/2014/main" id="{7F2E2C30-F3E6-61ED-8BA5-BB7FAA31826B}"/>
+                <a16:creationId xmlns:a16="http://schemas.microsoft.com/office/drawing/2014/main" id="{544C8F27-2824-847A-FF23-535E2A5341F5}"/>
               </a:ext>
             </a:extLst>
           </p:cNvPr>
@@ -1380,7 +1380,7 @@
           <p:cNvPr id="5" name="日期占位符 4">
             <a:extLst>
               <a:ext uri="{FF2B5EF4-FFF2-40B4-BE49-F238E27FC236}">
-                <a16:creationId xmlns:a16="http://schemas.microsoft.com/office/drawing/2014/main" id="{B4EADD17-E5AC-400D-ACED-E931FC86F6EA}"/>
+                <a16:creationId xmlns:a16="http://schemas.microsoft.com/office/drawing/2014/main" id="{2E70BF64-0416-6774-CCDB-9E600C44B878}"/>
               </a:ext>
             </a:extLst>
           </p:cNvPr>
@@ -1396,7 +1396,7 @@
           <a:bodyPr/>
           <a:lstStyle/>
           <a:p>
-            <a:fld id="{AD266F51-A4E7-4001-8009-EA636236D4A0}" type="datetimeFigureOut">
+            <a:fld id="{6B8148BF-F81C-42C6-86D5-B45949729A90}" type="datetimeFigureOut">
               <a:rPr lang="zh-CN" altLang="en-US" smtClean="0"/>
               <a:t>2024/3/10</a:t>
             </a:fld>
@@ -1409,7 +1409,7 @@
           <p:cNvPr id="6" name="页脚占位符 5">
             <a:extLst>
               <a:ext uri="{FF2B5EF4-FFF2-40B4-BE49-F238E27FC236}">
-                <a16:creationId xmlns:a16="http://schemas.microsoft.com/office/drawing/2014/main" id="{055B8E27-372A-17D7-B0FF-F6D9577D345F}"/>
+                <a16:creationId xmlns:a16="http://schemas.microsoft.com/office/drawing/2014/main" id="{D0FD355E-4F4C-12FB-1E15-66A5B0D83152}"/>
               </a:ext>
             </a:extLst>
           </p:cNvPr>
@@ -1434,7 +1434,7 @@
           <p:cNvPr id="7" name="灯片编号占位符 6">
             <a:extLst>
               <a:ext uri="{FF2B5EF4-FFF2-40B4-BE49-F238E27FC236}">
-                <a16:creationId xmlns:a16="http://schemas.microsoft.com/office/drawing/2014/main" id="{ABA83663-29D4-3755-9907-B3FD2003720E}"/>
+                <a16:creationId xmlns:a16="http://schemas.microsoft.com/office/drawing/2014/main" id="{930699F5-AE3D-369F-9328-CB33F8AB90BD}"/>
               </a:ext>
             </a:extLst>
           </p:cNvPr>
@@ -1450,7 +1450,7 @@
           <a:bodyPr/>
           <a:lstStyle/>
           <a:p>
-            <a:fld id="{C4093028-7449-4AC8-8A20-EB5DABABA418}" type="slidenum">
+            <a:fld id="{B485EAA2-ADE9-4F89-AC5F-83A5A9A5E461}" type="slidenum">
               <a:rPr lang="zh-CN" altLang="en-US" smtClean="0"/>
               <a:t>‹#›</a:t>
             </a:fld>
@@ -1461,7 +1461,7 @@
     </p:spTree>
     <p:extLst>
       <p:ext uri="{BB962C8B-B14F-4D97-AF65-F5344CB8AC3E}">
-        <p14:creationId xmlns:p14="http://schemas.microsoft.com/office/powerpoint/2010/main" val="1085520881"/>
+        <p14:creationId xmlns:p14="http://schemas.microsoft.com/office/powerpoint/2010/main" val="4191595682"/>
       </p:ext>
     </p:extLst>
   </p:cSld>
@@ -1493,7 +1493,7 @@
           <p:cNvPr id="2" name="标题 1">
             <a:extLst>
               <a:ext uri="{FF2B5EF4-FFF2-40B4-BE49-F238E27FC236}">
-                <a16:creationId xmlns:a16="http://schemas.microsoft.com/office/drawing/2014/main" id="{3887700E-00E9-8278-1937-6B3D86A3C1D9}"/>
+                <a16:creationId xmlns:a16="http://schemas.microsoft.com/office/drawing/2014/main" id="{1F3A4D43-4415-931E-F74B-6652AE23A3AE}"/>
               </a:ext>
             </a:extLst>
           </p:cNvPr>
@@ -1526,7 +1526,7 @@
           <p:cNvPr id="3" name="文本占位符 2">
             <a:extLst>
               <a:ext uri="{FF2B5EF4-FFF2-40B4-BE49-F238E27FC236}">
-                <a16:creationId xmlns:a16="http://schemas.microsoft.com/office/drawing/2014/main" id="{76ED977D-497B-C97E-E31B-00A03C674AD4}"/>
+                <a16:creationId xmlns:a16="http://schemas.microsoft.com/office/drawing/2014/main" id="{3D636A10-C2A9-7B1C-E2F8-970527273103}"/>
               </a:ext>
             </a:extLst>
           </p:cNvPr>
@@ -1597,7 +1597,7 @@
           <p:cNvPr id="4" name="内容占位符 3">
             <a:extLst>
               <a:ext uri="{FF2B5EF4-FFF2-40B4-BE49-F238E27FC236}">
-                <a16:creationId xmlns:a16="http://schemas.microsoft.com/office/drawing/2014/main" id="{52D899FB-8BAF-9CBE-2F64-88D0BE5C472A}"/>
+                <a16:creationId xmlns:a16="http://schemas.microsoft.com/office/drawing/2014/main" id="{9936999E-5C86-0A4E-586D-5C0E602FD4CC}"/>
               </a:ext>
             </a:extLst>
           </p:cNvPr>
@@ -1659,7 +1659,7 @@
           <p:cNvPr id="5" name="文本占位符 4">
             <a:extLst>
               <a:ext uri="{FF2B5EF4-FFF2-40B4-BE49-F238E27FC236}">
-                <a16:creationId xmlns:a16="http://schemas.microsoft.com/office/drawing/2014/main" id="{5DF6638B-4330-E436-4353-AE128B651B69}"/>
+                <a16:creationId xmlns:a16="http://schemas.microsoft.com/office/drawing/2014/main" id="{C46E0214-41BA-2A14-7148-1E2DC9DFC75C}"/>
               </a:ext>
             </a:extLst>
           </p:cNvPr>
@@ -1730,7 +1730,7 @@
           <p:cNvPr id="6" name="内容占位符 5">
             <a:extLst>
               <a:ext uri="{FF2B5EF4-FFF2-40B4-BE49-F238E27FC236}">
-                <a16:creationId xmlns:a16="http://schemas.microsoft.com/office/drawing/2014/main" id="{A2A077E9-8F41-0B92-332C-21A1F5540695}"/>
+                <a16:creationId xmlns:a16="http://schemas.microsoft.com/office/drawing/2014/main" id="{1DDE0614-5843-757B-99F9-41C615D20EE9}"/>
               </a:ext>
             </a:extLst>
           </p:cNvPr>
@@ -1792,7 +1792,7 @@
           <p:cNvPr id="7" name="日期占位符 6">
             <a:extLst>
               <a:ext uri="{FF2B5EF4-FFF2-40B4-BE49-F238E27FC236}">
-                <a16:creationId xmlns:a16="http://schemas.microsoft.com/office/drawing/2014/main" id="{EEDE4F3B-FB7D-3CE1-4A1B-21D54F975417}"/>
+                <a16:creationId xmlns:a16="http://schemas.microsoft.com/office/drawing/2014/main" id="{CD68527F-14A7-5C48-4AF8-3C6C604C3BAF}"/>
               </a:ext>
             </a:extLst>
           </p:cNvPr>
@@ -1808,7 +1808,7 @@
           <a:bodyPr/>
           <a:lstStyle/>
           <a:p>
-            <a:fld id="{AD266F51-A4E7-4001-8009-EA636236D4A0}" type="datetimeFigureOut">
+            <a:fld id="{6B8148BF-F81C-42C6-86D5-B45949729A90}" type="datetimeFigureOut">
               <a:rPr lang="zh-CN" altLang="en-US" smtClean="0"/>
               <a:t>2024/3/10</a:t>
             </a:fld>
@@ -1821,7 +1821,7 @@
           <p:cNvPr id="8" name="页脚占位符 7">
             <a:extLst>
               <a:ext uri="{FF2B5EF4-FFF2-40B4-BE49-F238E27FC236}">
-                <a16:creationId xmlns:a16="http://schemas.microsoft.com/office/drawing/2014/main" id="{30CBD491-76FB-9E34-A6E1-B9BDCCD290E4}"/>
+                <a16:creationId xmlns:a16="http://schemas.microsoft.com/office/drawing/2014/main" id="{9B50D460-3631-B421-764F-329D3B6407D6}"/>
               </a:ext>
             </a:extLst>
           </p:cNvPr>
@@ -1846,7 +1846,7 @@
           <p:cNvPr id="9" name="灯片编号占位符 8">
             <a:extLst>
               <a:ext uri="{FF2B5EF4-FFF2-40B4-BE49-F238E27FC236}">
-                <a16:creationId xmlns:a16="http://schemas.microsoft.com/office/drawing/2014/main" id="{E015D914-4645-AF8D-D558-0A3D25DA3D3B}"/>
+                <a16:creationId xmlns:a16="http://schemas.microsoft.com/office/drawing/2014/main" id="{0EB61B46-0810-384A-BBC5-B47ED6BAEFC3}"/>
               </a:ext>
             </a:extLst>
           </p:cNvPr>
@@ -1862,7 +1862,7 @@
           <a:bodyPr/>
           <a:lstStyle/>
           <a:p>
-            <a:fld id="{C4093028-7449-4AC8-8A20-EB5DABABA418}" type="slidenum">
+            <a:fld id="{B485EAA2-ADE9-4F89-AC5F-83A5A9A5E461}" type="slidenum">
               <a:rPr lang="zh-CN" altLang="en-US" smtClean="0"/>
               <a:t>‹#›</a:t>
             </a:fld>
@@ -1873,7 +1873,7 @@
     </p:spTree>
     <p:extLst>
       <p:ext uri="{BB962C8B-B14F-4D97-AF65-F5344CB8AC3E}">
-        <p14:creationId xmlns:p14="http://schemas.microsoft.com/office/powerpoint/2010/main" val="2360494479"/>
+        <p14:creationId xmlns:p14="http://schemas.microsoft.com/office/powerpoint/2010/main" val="905155373"/>
       </p:ext>
     </p:extLst>
   </p:cSld>
@@ -1905,7 +1905,7 @@
           <p:cNvPr id="2" name="标题 1">
             <a:extLst>
               <a:ext uri="{FF2B5EF4-FFF2-40B4-BE49-F238E27FC236}">
-                <a16:creationId xmlns:a16="http://schemas.microsoft.com/office/drawing/2014/main" id="{0ACDAB79-A866-86E7-A303-14D2966CB252}"/>
+                <a16:creationId xmlns:a16="http://schemas.microsoft.com/office/drawing/2014/main" id="{89981933-B6E1-01C9-B4E8-42BB18935541}"/>
               </a:ext>
             </a:extLst>
           </p:cNvPr>
@@ -1933,7 +1933,7 @@
           <p:cNvPr id="3" name="日期占位符 2">
             <a:extLst>
               <a:ext uri="{FF2B5EF4-FFF2-40B4-BE49-F238E27FC236}">
-                <a16:creationId xmlns:a16="http://schemas.microsoft.com/office/drawing/2014/main" id="{DDBE12A6-49D6-72E1-07C5-9202784A6A75}"/>
+                <a16:creationId xmlns:a16="http://schemas.microsoft.com/office/drawing/2014/main" id="{92D3A062-063D-C8F4-4459-86E31B13EBA9}"/>
               </a:ext>
             </a:extLst>
           </p:cNvPr>
@@ -1949,7 +1949,7 @@
           <a:bodyPr/>
           <a:lstStyle/>
           <a:p>
-            <a:fld id="{AD266F51-A4E7-4001-8009-EA636236D4A0}" type="datetimeFigureOut">
+            <a:fld id="{6B8148BF-F81C-42C6-86D5-B45949729A90}" type="datetimeFigureOut">
               <a:rPr lang="zh-CN" altLang="en-US" smtClean="0"/>
               <a:t>2024/3/10</a:t>
             </a:fld>
@@ -1962,7 +1962,7 @@
           <p:cNvPr id="4" name="页脚占位符 3">
             <a:extLst>
               <a:ext uri="{FF2B5EF4-FFF2-40B4-BE49-F238E27FC236}">
-                <a16:creationId xmlns:a16="http://schemas.microsoft.com/office/drawing/2014/main" id="{A6608D05-6417-1247-53FD-9ED8B8400383}"/>
+                <a16:creationId xmlns:a16="http://schemas.microsoft.com/office/drawing/2014/main" id="{082F70DB-A585-2732-8B97-6547CBF8FF4A}"/>
               </a:ext>
             </a:extLst>
           </p:cNvPr>
@@ -1987,7 +1987,7 @@
           <p:cNvPr id="5" name="灯片编号占位符 4">
             <a:extLst>
               <a:ext uri="{FF2B5EF4-FFF2-40B4-BE49-F238E27FC236}">
-                <a16:creationId xmlns:a16="http://schemas.microsoft.com/office/drawing/2014/main" id="{67A6C561-9C75-1EC0-B2F2-A7AC072226A8}"/>
+                <a16:creationId xmlns:a16="http://schemas.microsoft.com/office/drawing/2014/main" id="{B46CEF89-B111-66CD-FB88-EFF523A3BCE2}"/>
               </a:ext>
             </a:extLst>
           </p:cNvPr>
@@ -2003,7 +2003,7 @@
           <a:bodyPr/>
           <a:lstStyle/>
           <a:p>
-            <a:fld id="{C4093028-7449-4AC8-8A20-EB5DABABA418}" type="slidenum">
+            <a:fld id="{B485EAA2-ADE9-4F89-AC5F-83A5A9A5E461}" type="slidenum">
               <a:rPr lang="zh-CN" altLang="en-US" smtClean="0"/>
               <a:t>‹#›</a:t>
             </a:fld>
@@ -2014,7 +2014,7 @@
     </p:spTree>
     <p:extLst>
       <p:ext uri="{BB962C8B-B14F-4D97-AF65-F5344CB8AC3E}">
-        <p14:creationId xmlns:p14="http://schemas.microsoft.com/office/powerpoint/2010/main" val="1432617861"/>
+        <p14:creationId xmlns:p14="http://schemas.microsoft.com/office/powerpoint/2010/main" val="1592284718"/>
       </p:ext>
     </p:extLst>
   </p:cSld>
@@ -2046,7 +2046,7 @@
           <p:cNvPr id="2" name="日期占位符 1">
             <a:extLst>
               <a:ext uri="{FF2B5EF4-FFF2-40B4-BE49-F238E27FC236}">
-                <a16:creationId xmlns:a16="http://schemas.microsoft.com/office/drawing/2014/main" id="{56AEF6E4-B7FD-9BEF-6F08-976CCB2BBA51}"/>
+                <a16:creationId xmlns:a16="http://schemas.microsoft.com/office/drawing/2014/main" id="{30078C30-8AE9-AA4C-7B2E-3CFEA8DD695C}"/>
               </a:ext>
             </a:extLst>
           </p:cNvPr>
@@ -2062,7 +2062,7 @@
           <a:bodyPr/>
           <a:lstStyle/>
           <a:p>
-            <a:fld id="{AD266F51-A4E7-4001-8009-EA636236D4A0}" type="datetimeFigureOut">
+            <a:fld id="{6B8148BF-F81C-42C6-86D5-B45949729A90}" type="datetimeFigureOut">
               <a:rPr lang="zh-CN" altLang="en-US" smtClean="0"/>
               <a:t>2024/3/10</a:t>
             </a:fld>
@@ -2075,7 +2075,7 @@
           <p:cNvPr id="3" name="页脚占位符 2">
             <a:extLst>
               <a:ext uri="{FF2B5EF4-FFF2-40B4-BE49-F238E27FC236}">
-                <a16:creationId xmlns:a16="http://schemas.microsoft.com/office/drawing/2014/main" id="{0966CF74-8B04-211D-8ABC-3D8812D97436}"/>
+                <a16:creationId xmlns:a16="http://schemas.microsoft.com/office/drawing/2014/main" id="{ED609D44-BBBD-EBAE-260B-DD9D8EF6418E}"/>
               </a:ext>
             </a:extLst>
           </p:cNvPr>
@@ -2100,7 +2100,7 @@
           <p:cNvPr id="4" name="灯片编号占位符 3">
             <a:extLst>
               <a:ext uri="{FF2B5EF4-FFF2-40B4-BE49-F238E27FC236}">
-                <a16:creationId xmlns:a16="http://schemas.microsoft.com/office/drawing/2014/main" id="{379FDA59-B149-1D89-485E-39AA3E478F44}"/>
+                <a16:creationId xmlns:a16="http://schemas.microsoft.com/office/drawing/2014/main" id="{46DDB13C-2D56-B0CE-925D-FEF450AA1B52}"/>
               </a:ext>
             </a:extLst>
           </p:cNvPr>
@@ -2116,7 +2116,7 @@
           <a:bodyPr/>
           <a:lstStyle/>
           <a:p>
-            <a:fld id="{C4093028-7449-4AC8-8A20-EB5DABABA418}" type="slidenum">
+            <a:fld id="{B485EAA2-ADE9-4F89-AC5F-83A5A9A5E461}" type="slidenum">
               <a:rPr lang="zh-CN" altLang="en-US" smtClean="0"/>
               <a:t>‹#›</a:t>
             </a:fld>
@@ -2127,7 +2127,7 @@
     </p:spTree>
     <p:extLst>
       <p:ext uri="{BB962C8B-B14F-4D97-AF65-F5344CB8AC3E}">
-        <p14:creationId xmlns:p14="http://schemas.microsoft.com/office/powerpoint/2010/main" val="4068012906"/>
+        <p14:creationId xmlns:p14="http://schemas.microsoft.com/office/powerpoint/2010/main" val="3013496472"/>
       </p:ext>
     </p:extLst>
   </p:cSld>
@@ -2159,7 +2159,7 @@
           <p:cNvPr id="2" name="标题 1">
             <a:extLst>
               <a:ext uri="{FF2B5EF4-FFF2-40B4-BE49-F238E27FC236}">
-                <a16:creationId xmlns:a16="http://schemas.microsoft.com/office/drawing/2014/main" id="{004F5F3B-AA4D-5B90-C443-EDE97CDCA901}"/>
+                <a16:creationId xmlns:a16="http://schemas.microsoft.com/office/drawing/2014/main" id="{5D9FCF66-AB79-CF88-458A-9E3FE0DA2AB6}"/>
               </a:ext>
             </a:extLst>
           </p:cNvPr>
@@ -2196,7 +2196,7 @@
           <p:cNvPr id="3" name="内容占位符 2">
             <a:extLst>
               <a:ext uri="{FF2B5EF4-FFF2-40B4-BE49-F238E27FC236}">
-                <a16:creationId xmlns:a16="http://schemas.microsoft.com/office/drawing/2014/main" id="{1B584BFB-24EF-D1B0-2DDE-508E71395D51}"/>
+                <a16:creationId xmlns:a16="http://schemas.microsoft.com/office/drawing/2014/main" id="{2E108263-6C35-EB14-F68F-0BABD383A0B1}"/>
               </a:ext>
             </a:extLst>
           </p:cNvPr>
@@ -2286,7 +2286,7 @@
           <p:cNvPr id="4" name="文本占位符 3">
             <a:extLst>
               <a:ext uri="{FF2B5EF4-FFF2-40B4-BE49-F238E27FC236}">
-                <a16:creationId xmlns:a16="http://schemas.microsoft.com/office/drawing/2014/main" id="{6FF5AD4A-4D18-6583-B2F1-14FB4EAA3012}"/>
+                <a16:creationId xmlns:a16="http://schemas.microsoft.com/office/drawing/2014/main" id="{EEB42FD4-1E09-E0C0-0D95-AA7FDAB5499C}"/>
               </a:ext>
             </a:extLst>
           </p:cNvPr>
@@ -2357,7 +2357,7 @@
           <p:cNvPr id="5" name="日期占位符 4">
             <a:extLst>
               <a:ext uri="{FF2B5EF4-FFF2-40B4-BE49-F238E27FC236}">
-                <a16:creationId xmlns:a16="http://schemas.microsoft.com/office/drawing/2014/main" id="{37B01103-5CB0-919F-A239-B3380EB26991}"/>
+                <a16:creationId xmlns:a16="http://schemas.microsoft.com/office/drawing/2014/main" id="{AD82775B-D201-9A8A-647D-22F551D68B3C}"/>
               </a:ext>
             </a:extLst>
           </p:cNvPr>
@@ -2373,7 +2373,7 @@
           <a:bodyPr/>
           <a:lstStyle/>
           <a:p>
-            <a:fld id="{AD266F51-A4E7-4001-8009-EA636236D4A0}" type="datetimeFigureOut">
+            <a:fld id="{6B8148BF-F81C-42C6-86D5-B45949729A90}" type="datetimeFigureOut">
               <a:rPr lang="zh-CN" altLang="en-US" smtClean="0"/>
               <a:t>2024/3/10</a:t>
             </a:fld>
@@ -2386,7 +2386,7 @@
           <p:cNvPr id="6" name="页脚占位符 5">
             <a:extLst>
               <a:ext uri="{FF2B5EF4-FFF2-40B4-BE49-F238E27FC236}">
-                <a16:creationId xmlns:a16="http://schemas.microsoft.com/office/drawing/2014/main" id="{A1EA0A5B-B9E1-641E-BEE8-6CED19B4B5A7}"/>
+                <a16:creationId xmlns:a16="http://schemas.microsoft.com/office/drawing/2014/main" id="{93692D38-D0C6-5C94-F82D-8509819FD0EC}"/>
               </a:ext>
             </a:extLst>
           </p:cNvPr>
@@ -2411,7 +2411,7 @@
           <p:cNvPr id="7" name="灯片编号占位符 6">
             <a:extLst>
               <a:ext uri="{FF2B5EF4-FFF2-40B4-BE49-F238E27FC236}">
-                <a16:creationId xmlns:a16="http://schemas.microsoft.com/office/drawing/2014/main" id="{D2DA4218-AB1E-3E61-6E24-7CE1CDD073F2}"/>
+                <a16:creationId xmlns:a16="http://schemas.microsoft.com/office/drawing/2014/main" id="{61395B4F-AADD-BE39-CDFF-38F1AE7F94DF}"/>
               </a:ext>
             </a:extLst>
           </p:cNvPr>
@@ -2427,7 +2427,7 @@
           <a:bodyPr/>
           <a:lstStyle/>
           <a:p>
-            <a:fld id="{C4093028-7449-4AC8-8A20-EB5DABABA418}" type="slidenum">
+            <a:fld id="{B485EAA2-ADE9-4F89-AC5F-83A5A9A5E461}" type="slidenum">
               <a:rPr lang="zh-CN" altLang="en-US" smtClean="0"/>
               <a:t>‹#›</a:t>
             </a:fld>
@@ -2438,7 +2438,7 @@
     </p:spTree>
     <p:extLst>
       <p:ext uri="{BB962C8B-B14F-4D97-AF65-F5344CB8AC3E}">
-        <p14:creationId xmlns:p14="http://schemas.microsoft.com/office/powerpoint/2010/main" val="2295443578"/>
+        <p14:creationId xmlns:p14="http://schemas.microsoft.com/office/powerpoint/2010/main" val="3315570610"/>
       </p:ext>
     </p:extLst>
   </p:cSld>
@@ -2470,7 +2470,7 @@
           <p:cNvPr id="2" name="标题 1">
             <a:extLst>
               <a:ext uri="{FF2B5EF4-FFF2-40B4-BE49-F238E27FC236}">
-                <a16:creationId xmlns:a16="http://schemas.microsoft.com/office/drawing/2014/main" id="{943B2018-2084-615A-58E8-FA56A8D78534}"/>
+                <a16:creationId xmlns:a16="http://schemas.microsoft.com/office/drawing/2014/main" id="{FA65FD6A-99F3-149A-CE40-D0C558EDE47D}"/>
               </a:ext>
             </a:extLst>
           </p:cNvPr>
@@ -2507,7 +2507,7 @@
           <p:cNvPr id="3" name="图片占位符 2">
             <a:extLst>
               <a:ext uri="{FF2B5EF4-FFF2-40B4-BE49-F238E27FC236}">
-                <a16:creationId xmlns:a16="http://schemas.microsoft.com/office/drawing/2014/main" id="{3B28CE91-FAF9-4BD1-347C-F16832539239}"/>
+                <a16:creationId xmlns:a16="http://schemas.microsoft.com/office/drawing/2014/main" id="{AE1F4ACD-4D27-E3DD-4E22-6DEABFEA3BC4}"/>
               </a:ext>
             </a:extLst>
           </p:cNvPr>
@@ -2574,7 +2574,7 @@
           <p:cNvPr id="4" name="文本占位符 3">
             <a:extLst>
               <a:ext uri="{FF2B5EF4-FFF2-40B4-BE49-F238E27FC236}">
-                <a16:creationId xmlns:a16="http://schemas.microsoft.com/office/drawing/2014/main" id="{C93AA850-D10E-27D9-6675-D341D11AB0AD}"/>
+                <a16:creationId xmlns:a16="http://schemas.microsoft.com/office/drawing/2014/main" id="{7D01E296-7349-5129-4F64-862646104E40}"/>
               </a:ext>
             </a:extLst>
           </p:cNvPr>
@@ -2645,7 +2645,7 @@
           <p:cNvPr id="5" name="日期占位符 4">
             <a:extLst>
               <a:ext uri="{FF2B5EF4-FFF2-40B4-BE49-F238E27FC236}">
-                <a16:creationId xmlns:a16="http://schemas.microsoft.com/office/drawing/2014/main" id="{E572EF39-9F5C-27C6-E5ED-AE49F290BDCB}"/>
+                <a16:creationId xmlns:a16="http://schemas.microsoft.com/office/drawing/2014/main" id="{221B73A7-5EDF-4329-099B-7F348F4A6C84}"/>
               </a:ext>
             </a:extLst>
           </p:cNvPr>
@@ -2661,7 +2661,7 @@
           <a:bodyPr/>
           <a:lstStyle/>
           <a:p>
-            <a:fld id="{AD266F51-A4E7-4001-8009-EA636236D4A0}" type="datetimeFigureOut">
+            <a:fld id="{6B8148BF-F81C-42C6-86D5-B45949729A90}" type="datetimeFigureOut">
               <a:rPr lang="zh-CN" altLang="en-US" smtClean="0"/>
               <a:t>2024/3/10</a:t>
             </a:fld>
@@ -2674,7 +2674,7 @@
           <p:cNvPr id="6" name="页脚占位符 5">
             <a:extLst>
               <a:ext uri="{FF2B5EF4-FFF2-40B4-BE49-F238E27FC236}">
-                <a16:creationId xmlns:a16="http://schemas.microsoft.com/office/drawing/2014/main" id="{86D14D6A-CC9C-3504-A275-8A2D0A39DB51}"/>
+                <a16:creationId xmlns:a16="http://schemas.microsoft.com/office/drawing/2014/main" id="{A9FE633F-C291-4747-245E-1F25D28A299D}"/>
               </a:ext>
             </a:extLst>
           </p:cNvPr>
@@ -2699,7 +2699,7 @@
           <p:cNvPr id="7" name="灯片编号占位符 6">
             <a:extLst>
               <a:ext uri="{FF2B5EF4-FFF2-40B4-BE49-F238E27FC236}">
-                <a16:creationId xmlns:a16="http://schemas.microsoft.com/office/drawing/2014/main" id="{AEE6E1C8-462C-FE8A-865A-3E84F0AC2FC9}"/>
+                <a16:creationId xmlns:a16="http://schemas.microsoft.com/office/drawing/2014/main" id="{D89941C2-CE0C-5AF5-03AB-B4B39E8B1BD6}"/>
               </a:ext>
             </a:extLst>
           </p:cNvPr>
@@ -2715,7 +2715,7 @@
           <a:bodyPr/>
           <a:lstStyle/>
           <a:p>
-            <a:fld id="{C4093028-7449-4AC8-8A20-EB5DABABA418}" type="slidenum">
+            <a:fld id="{B485EAA2-ADE9-4F89-AC5F-83A5A9A5E461}" type="slidenum">
               <a:rPr lang="zh-CN" altLang="en-US" smtClean="0"/>
               <a:t>‹#›</a:t>
             </a:fld>
@@ -2726,7 +2726,7 @@
     </p:spTree>
     <p:extLst>
       <p:ext uri="{BB962C8B-B14F-4D97-AF65-F5344CB8AC3E}">
-        <p14:creationId xmlns:p14="http://schemas.microsoft.com/office/powerpoint/2010/main" val="510558678"/>
+        <p14:creationId xmlns:p14="http://schemas.microsoft.com/office/powerpoint/2010/main" val="3746163932"/>
       </p:ext>
     </p:extLst>
   </p:cSld>
@@ -2763,7 +2763,7 @@
           <p:cNvPr id="2" name="标题占位符 1">
             <a:extLst>
               <a:ext uri="{FF2B5EF4-FFF2-40B4-BE49-F238E27FC236}">
-                <a16:creationId xmlns:a16="http://schemas.microsoft.com/office/drawing/2014/main" id="{F6CF9F6A-27EE-0266-63E7-3148252389B8}"/>
+                <a16:creationId xmlns:a16="http://schemas.microsoft.com/office/drawing/2014/main" id="{C398FE9C-34B0-7536-A720-4A7D57EC8E49}"/>
               </a:ext>
             </a:extLst>
           </p:cNvPr>
@@ -2801,7 +2801,7 @@
           <p:cNvPr id="3" name="文本占位符 2">
             <a:extLst>
               <a:ext uri="{FF2B5EF4-FFF2-40B4-BE49-F238E27FC236}">
-                <a16:creationId xmlns:a16="http://schemas.microsoft.com/office/drawing/2014/main" id="{CFA21756-5A25-F705-C71E-FFEE15A87E89}"/>
+                <a16:creationId xmlns:a16="http://schemas.microsoft.com/office/drawing/2014/main" id="{0C0DD2BE-3A67-BA26-ABC0-A62241C746FD}"/>
               </a:ext>
             </a:extLst>
           </p:cNvPr>
@@ -2868,7 +2868,7 @@
           <p:cNvPr id="4" name="日期占位符 3">
             <a:extLst>
               <a:ext uri="{FF2B5EF4-FFF2-40B4-BE49-F238E27FC236}">
-                <a16:creationId xmlns:a16="http://schemas.microsoft.com/office/drawing/2014/main" id="{6ECDB90A-F374-89AD-820F-08E724F37772}"/>
+                <a16:creationId xmlns:a16="http://schemas.microsoft.com/office/drawing/2014/main" id="{E75E56B7-053A-C62A-4FAF-63DEC8A6259B}"/>
               </a:ext>
             </a:extLst>
           </p:cNvPr>
@@ -2902,7 +2902,7 @@
             </a:lvl1pPr>
           </a:lstStyle>
           <a:p>
-            <a:fld id="{AD266F51-A4E7-4001-8009-EA636236D4A0}" type="datetimeFigureOut">
+            <a:fld id="{6B8148BF-F81C-42C6-86D5-B45949729A90}" type="datetimeFigureOut">
               <a:rPr lang="zh-CN" altLang="en-US" smtClean="0"/>
               <a:t>2024/3/10</a:t>
             </a:fld>
@@ -2915,7 +2915,7 @@
           <p:cNvPr id="5" name="页脚占位符 4">
             <a:extLst>
               <a:ext uri="{FF2B5EF4-FFF2-40B4-BE49-F238E27FC236}">
-                <a16:creationId xmlns:a16="http://schemas.microsoft.com/office/drawing/2014/main" id="{07D63A71-A64A-A3EA-DF6F-E994155CE759}"/>
+                <a16:creationId xmlns:a16="http://schemas.microsoft.com/office/drawing/2014/main" id="{7F0BEDD2-E0F4-CAC0-A0FF-756C74CFBA2D}"/>
               </a:ext>
             </a:extLst>
           </p:cNvPr>
@@ -2958,7 +2958,7 @@
           <p:cNvPr id="6" name="灯片编号占位符 5">
             <a:extLst>
               <a:ext uri="{FF2B5EF4-FFF2-40B4-BE49-F238E27FC236}">
-                <a16:creationId xmlns:a16="http://schemas.microsoft.com/office/drawing/2014/main" id="{A6CD8795-366E-459B-3D06-48E36C7F75E0}"/>
+                <a16:creationId xmlns:a16="http://schemas.microsoft.com/office/drawing/2014/main" id="{1C2252FD-FADD-D967-5ECC-18CA86F5E560}"/>
               </a:ext>
             </a:extLst>
           </p:cNvPr>
@@ -2992,7 +2992,7 @@
             </a:lvl1pPr>
           </a:lstStyle>
           <a:p>
-            <a:fld id="{C4093028-7449-4AC8-8A20-EB5DABABA418}" type="slidenum">
+            <a:fld id="{B485EAA2-ADE9-4F89-AC5F-83A5A9A5E461}" type="slidenum">
               <a:rPr lang="zh-CN" altLang="en-US" smtClean="0"/>
               <a:t>‹#›</a:t>
             </a:fld>
@@ -3003,7 +3003,7 @@
     </p:spTree>
     <p:extLst>
       <p:ext uri="{BB962C8B-B14F-4D97-AF65-F5344CB8AC3E}">
-        <p14:creationId xmlns:p14="http://schemas.microsoft.com/office/powerpoint/2010/main" val="3785953598"/>
+        <p14:creationId xmlns:p14="http://schemas.microsoft.com/office/powerpoint/2010/main" val="3492888836"/>
       </p:ext>
     </p:extLst>
   </p:cSld>
